--- a/status-reports/20200115/predicting_avatar_movements.pptx
+++ b/status-reports/20200115/predicting_avatar_movements.pptx
@@ -5,17 +5,16 @@
     <p:sldMasterId id="2147483648" r:id="rId1"/>
   </p:sldMasterIdLst>
   <p:notesMasterIdLst>
-    <p:notesMasterId r:id="rId10"/>
+    <p:notesMasterId r:id="rId9"/>
   </p:notesMasterIdLst>
   <p:sldIdLst>
     <p:sldId id="259" r:id="rId2"/>
     <p:sldId id="261" r:id="rId3"/>
-    <p:sldId id="263" r:id="rId4"/>
-    <p:sldId id="264" r:id="rId5"/>
-    <p:sldId id="268" r:id="rId6"/>
-    <p:sldId id="265" r:id="rId7"/>
-    <p:sldId id="266" r:id="rId8"/>
-    <p:sldId id="267" r:id="rId9"/>
+    <p:sldId id="264" r:id="rId4"/>
+    <p:sldId id="268" r:id="rId5"/>
+    <p:sldId id="265" r:id="rId6"/>
+    <p:sldId id="269" r:id="rId7"/>
+    <p:sldId id="267" r:id="rId8"/>
   </p:sldIdLst>
   <p:sldSz cx="9144000" cy="6858000" type="screen4x3"/>
   <p:notesSz cx="6858000" cy="9144000"/>
@@ -121,11 +120,10 @@
           <p14:sldIdLst>
             <p14:sldId id="259"/>
             <p14:sldId id="261"/>
-            <p14:sldId id="263"/>
             <p14:sldId id="264"/>
             <p14:sldId id="268"/>
             <p14:sldId id="265"/>
-            <p14:sldId id="266"/>
+            <p14:sldId id="269"/>
             <p14:sldId id="267"/>
           </p14:sldIdLst>
         </p14:section>
@@ -186,29 +184,6 @@
 
 <file path=ppt/changesInfos/changesInfo1.xml><?xml version="1.0" encoding="utf-8"?>
 <pc:chgInfo xmlns:a="http://schemas.openxmlformats.org/drawingml/2006/main" xmlns:r="http://schemas.openxmlformats.org/officeDocument/2006/relationships" xmlns:ac="http://schemas.microsoft.com/office/drawing/2013/main/command" xmlns:pc="http://schemas.microsoft.com/office/powerpoint/2013/main/command">
-  <pc:docChgLst>
-    <pc:chgData name="Jonathan Sasse" userId="e3ef75d3e4210d51" providerId="LiveId" clId="{0E4C0D18-225F-42A5-BBF1-5EB602017F9B}"/>
-    <pc:docChg chg="undo custSel addSld modSld sldOrd">
-      <pc:chgData name="Jonathan Sasse" userId="e3ef75d3e4210d51" providerId="LiveId" clId="{0E4C0D18-225F-42A5-BBF1-5EB602017F9B}" dt="2019-10-23T11:21:14.988" v="2220" actId="20577"/>
-      <pc:docMkLst>
-        <pc:docMk/>
-      </pc:docMkLst>
-      <pc:sldChg chg="modNotesTx">
-        <pc:chgData name="Jonathan Sasse" userId="e3ef75d3e4210d51" providerId="LiveId" clId="{0E4C0D18-225F-42A5-BBF1-5EB602017F9B}" dt="2019-10-22T16:53:05.594" v="6" actId="20577"/>
-        <pc:sldMkLst>
-          <pc:docMk/>
-          <pc:sldMk cId="0" sldId="259"/>
-        </pc:sldMkLst>
-      </pc:sldChg>
-      <pc:sldChg chg="ord modNotesTx">
-        <pc:chgData name="Jonathan Sasse" userId="e3ef75d3e4210d51" providerId="LiveId" clId="{0E4C0D18-225F-42A5-BBF1-5EB602017F9B}" dt="2019-10-22T17:25:43.739" v="1291" actId="20577"/>
-        <pc:sldMkLst>
-          <pc:docMk/>
-          <pc:sldMk cId="3350239781" sldId="261"/>
-        </pc:sldMkLst>
-      </pc:sldChg>
-    </pc:docChg>
-  </pc:docChgLst>
   <pc:docChgLst>
     <pc:chgData name="Jonathan Sasse" userId="e3ef75d3e4210d51" providerId="LiveId" clId="{F7C58FAA-B860-4982-A6B4-F2FC06D6F7C2}"/>
     <pc:docChg chg="undo custSel addSld delSld modSld modMainMaster modSection">
@@ -639,6 +614,29 @@
       </pc:sldChg>
     </pc:docChg>
   </pc:docChgLst>
+  <pc:docChgLst>
+    <pc:chgData name="Jonathan Sasse" userId="e3ef75d3e4210d51" providerId="LiveId" clId="{0E4C0D18-225F-42A5-BBF1-5EB602017F9B}"/>
+    <pc:docChg chg="undo custSel addSld modSld sldOrd">
+      <pc:chgData name="Jonathan Sasse" userId="e3ef75d3e4210d51" providerId="LiveId" clId="{0E4C0D18-225F-42A5-BBF1-5EB602017F9B}" dt="2019-10-23T11:21:14.988" v="2220" actId="20577"/>
+      <pc:docMkLst>
+        <pc:docMk/>
+      </pc:docMkLst>
+      <pc:sldChg chg="modNotesTx">
+        <pc:chgData name="Jonathan Sasse" userId="e3ef75d3e4210d51" providerId="LiveId" clId="{0E4C0D18-225F-42A5-BBF1-5EB602017F9B}" dt="2019-10-22T16:53:05.594" v="6" actId="20577"/>
+        <pc:sldMkLst>
+          <pc:docMk/>
+          <pc:sldMk cId="0" sldId="259"/>
+        </pc:sldMkLst>
+      </pc:sldChg>
+      <pc:sldChg chg="ord modNotesTx">
+        <pc:chgData name="Jonathan Sasse" userId="e3ef75d3e4210d51" providerId="LiveId" clId="{0E4C0D18-225F-42A5-BBF1-5EB602017F9B}" dt="2019-10-22T17:25:43.739" v="1291" actId="20577"/>
+        <pc:sldMkLst>
+          <pc:docMk/>
+          <pc:sldMk cId="3350239781" sldId="261"/>
+        </pc:sldMkLst>
+      </pc:sldChg>
+    </pc:docChg>
+  </pc:docChgLst>
 </pc:chgInfo>
 </file>
 
@@ -725,7 +723,7 @@
             <a:fld id="{7AACB081-BB2C-4B4A-9109-5280E0143A04}" type="datetimeFigureOut">
               <a:rPr lang="de-DE" smtClean="0"/>
               <a:pPr/>
-              <a:t>14.01.2020</a:t>
+              <a:t>15.01.2020</a:t>
             </a:fld>
             <a:endParaRPr lang="de-DE"/>
           </a:p>
@@ -1252,7 +1250,7 @@
     </p:spTree>
     <p:extLst>
       <p:ext uri="{BB962C8B-B14F-4D97-AF65-F5344CB8AC3E}">
-        <p14:creationId xmlns:p14="http://schemas.microsoft.com/office/powerpoint/2010/main" val="2088578458"/>
+        <p14:creationId xmlns:p14="http://schemas.microsoft.com/office/powerpoint/2010/main" val="3775893047"/>
       </p:ext>
     </p:extLst>
   </p:cSld>
@@ -1337,7 +1335,7 @@
     </p:spTree>
     <p:extLst>
       <p:ext uri="{BB962C8B-B14F-4D97-AF65-F5344CB8AC3E}">
-        <p14:creationId xmlns:p14="http://schemas.microsoft.com/office/powerpoint/2010/main" val="3775893047"/>
+        <p14:creationId xmlns:p14="http://schemas.microsoft.com/office/powerpoint/2010/main" val="2841970352"/>
       </p:ext>
     </p:extLst>
   </p:cSld>
@@ -1422,7 +1420,7 @@
     </p:spTree>
     <p:extLst>
       <p:ext uri="{BB962C8B-B14F-4D97-AF65-F5344CB8AC3E}">
-        <p14:creationId xmlns:p14="http://schemas.microsoft.com/office/powerpoint/2010/main" val="2841970352"/>
+        <p14:creationId xmlns:p14="http://schemas.microsoft.com/office/powerpoint/2010/main" val="475075930"/>
       </p:ext>
     </p:extLst>
   </p:cSld>
@@ -1507,7 +1505,7 @@
     </p:spTree>
     <p:extLst>
       <p:ext uri="{BB962C8B-B14F-4D97-AF65-F5344CB8AC3E}">
-        <p14:creationId xmlns:p14="http://schemas.microsoft.com/office/powerpoint/2010/main" val="475075930"/>
+        <p14:creationId xmlns:p14="http://schemas.microsoft.com/office/powerpoint/2010/main" val="1725076344"/>
       </p:ext>
     </p:extLst>
   </p:cSld>
@@ -1584,91 +1582,6 @@
               <a:rPr lang="de-DE" smtClean="0"/>
               <a:pPr/>
               <a:t>7</a:t>
-            </a:fld>
-            <a:endParaRPr lang="de-DE"/>
-          </a:p>
-        </p:txBody>
-      </p:sp>
-    </p:spTree>
-    <p:extLst>
-      <p:ext uri="{BB962C8B-B14F-4D97-AF65-F5344CB8AC3E}">
-        <p14:creationId xmlns:p14="http://schemas.microsoft.com/office/powerpoint/2010/main" val="4093388881"/>
-      </p:ext>
-    </p:extLst>
-  </p:cSld>
-  <p:clrMapOvr>
-    <a:masterClrMapping/>
-  </p:clrMapOvr>
-</p:notes>
-</file>
-
-<file path=ppt/notesSlides/notesSlide8.xml><?xml version="1.0" encoding="utf-8"?>
-<p:notes xmlns:a="http://schemas.openxmlformats.org/drawingml/2006/main" xmlns:r="http://schemas.openxmlformats.org/officeDocument/2006/relationships" xmlns:p="http://schemas.openxmlformats.org/presentationml/2006/main">
-  <p:cSld>
-    <p:spTree>
-      <p:nvGrpSpPr>
-        <p:cNvPr id="1" name=""/>
-        <p:cNvGrpSpPr/>
-        <p:nvPr/>
-      </p:nvGrpSpPr>
-      <p:grpSpPr>
-        <a:xfrm>
-          <a:off x="0" y="0"/>
-          <a:ext cx="0" cy="0"/>
-          <a:chOff x="0" y="0"/>
-          <a:chExt cx="0" cy="0"/>
-        </a:xfrm>
-      </p:grpSpPr>
-      <p:sp>
-        <p:nvSpPr>
-          <p:cNvPr id="2" name="Slide Image Placeholder 1"/>
-          <p:cNvSpPr>
-            <a:spLocks noGrp="1" noRot="1" noChangeAspect="1"/>
-          </p:cNvSpPr>
-          <p:nvPr>
-            <p:ph type="sldImg"/>
-          </p:nvPr>
-        </p:nvSpPr>
-        <p:spPr/>
-      </p:sp>
-      <p:sp>
-        <p:nvSpPr>
-          <p:cNvPr id="3" name="Notes Placeholder 2"/>
-          <p:cNvSpPr>
-            <a:spLocks noGrp="1"/>
-          </p:cNvSpPr>
-          <p:nvPr>
-            <p:ph type="body" idx="1"/>
-          </p:nvPr>
-        </p:nvSpPr>
-        <p:spPr/>
-        <p:txBody>
-          <a:bodyPr/>
-          <a:lstStyle/>
-          <a:p>
-            <a:endParaRPr lang="en-US" dirty="0"/>
-          </a:p>
-        </p:txBody>
-      </p:sp>
-      <p:sp>
-        <p:nvSpPr>
-          <p:cNvPr id="4" name="Slide Number Placeholder 3"/>
-          <p:cNvSpPr>
-            <a:spLocks noGrp="1"/>
-          </p:cNvSpPr>
-          <p:nvPr>
-            <p:ph type="sldNum" sz="quarter" idx="5"/>
-          </p:nvPr>
-        </p:nvSpPr>
-        <p:spPr/>
-        <p:txBody>
-          <a:bodyPr/>
-          <a:lstStyle/>
-          <a:p>
-            <a:fld id="{D7987926-5BFB-47C7-ABC2-F42E69AD2A0E}" type="slidenum">
-              <a:rPr lang="de-DE" smtClean="0"/>
-              <a:pPr/>
-              <a:t>8</a:t>
             </a:fld>
             <a:endParaRPr lang="de-DE"/>
           </a:p>
@@ -1846,7 +1759,7 @@
             <a:fld id="{0014FB7C-1D85-4F32-B1E7-F7035F9F6211}" type="datetime1">
               <a:rPr lang="de-DE" smtClean="0"/>
               <a:pPr/>
-              <a:t>14.01.2020</a:t>
+              <a:t>15.01.2020</a:t>
             </a:fld>
             <a:endParaRPr lang="de-DE" dirty="0"/>
           </a:p>
@@ -2024,7 +1937,7 @@
             <a:fld id="{70D9B511-BCAA-4F77-AE2A-8B0A1FCBAA7B}" type="datetime1">
               <a:rPr lang="de-DE" smtClean="0"/>
               <a:pPr/>
-              <a:t>14.01.2020</a:t>
+              <a:t>15.01.2020</a:t>
             </a:fld>
             <a:endParaRPr lang="de-DE"/>
           </a:p>
@@ -2202,7 +2115,7 @@
             <a:fld id="{75E502DE-943F-427D-A876-BF3AAE2DA914}" type="datetime1">
               <a:rPr lang="de-DE" smtClean="0"/>
               <a:pPr/>
-              <a:t>14.01.2020</a:t>
+              <a:t>15.01.2020</a:t>
             </a:fld>
             <a:endParaRPr lang="de-DE"/>
           </a:p>
@@ -2952,7 +2865,7 @@
             <a:fld id="{E07B7684-A612-4C51-9709-FC85FE075249}" type="datetime1">
               <a:rPr lang="de-DE" smtClean="0"/>
               <a:pPr/>
-              <a:t>14.01.2020</a:t>
+              <a:t>15.01.2020</a:t>
             </a:fld>
             <a:endParaRPr lang="de-DE"/>
           </a:p>
@@ -3375,7 +3288,7 @@
             <a:fld id="{E2275034-4830-40AD-A105-00172D47DC59}" type="datetime1">
               <a:rPr lang="de-DE" smtClean="0"/>
               <a:pPr/>
-              <a:t>14.01.2020</a:t>
+              <a:t>15.01.2020</a:t>
             </a:fld>
             <a:endParaRPr lang="de-DE"/>
           </a:p>
@@ -3500,7 +3413,7 @@
             <a:fld id="{8760B306-308F-4820-932B-B4BF014A4D76}" type="datetime1">
               <a:rPr lang="de-DE" smtClean="0"/>
               <a:pPr/>
-              <a:t>14.01.2020</a:t>
+              <a:t>15.01.2020</a:t>
             </a:fld>
             <a:endParaRPr lang="de-DE"/>
           </a:p>
@@ -3595,7 +3508,7 @@
             <a:fld id="{787D21BE-467D-47F4-934A-DF64916F1551}" type="datetime1">
               <a:rPr lang="de-DE" smtClean="0"/>
               <a:pPr/>
-              <a:t>14.01.2020</a:t>
+              <a:t>15.01.2020</a:t>
             </a:fld>
             <a:endParaRPr lang="de-DE"/>
           </a:p>
@@ -3870,7 +3783,7 @@
             <a:fld id="{D7201360-EC73-4866-9BFE-F4AB28C20094}" type="datetime1">
               <a:rPr lang="de-DE" smtClean="0"/>
               <a:pPr/>
-              <a:t>14.01.2020</a:t>
+              <a:t>15.01.2020</a:t>
             </a:fld>
             <a:endParaRPr lang="de-DE"/>
           </a:p>
@@ -4122,7 +4035,7 @@
             <a:fld id="{ABC57659-5FEF-4BC2-86B5-7FBAC1251C05}" type="datetime1">
               <a:rPr lang="de-DE" smtClean="0"/>
               <a:pPr/>
-              <a:t>14.01.2020</a:t>
+              <a:t>15.01.2020</a:t>
             </a:fld>
             <a:endParaRPr lang="de-DE"/>
           </a:p>
@@ -4333,7 +4246,7 @@
             <a:fld id="{58BB00C1-4F3A-4412-AFC4-AE1502012676}" type="datetime1">
               <a:rPr lang="de-DE" smtClean="0"/>
               <a:pPr/>
-              <a:t>14.01.2020</a:t>
+              <a:t>15.01.2020</a:t>
             </a:fld>
             <a:endParaRPr lang="de-DE"/>
           </a:p>
@@ -5006,41 +4919,30 @@
         </p:spPr>
         <p:txBody>
           <a:bodyPr anchor="ctr">
-            <a:normAutofit fontScale="92500" lnSpcReduction="20000"/>
+            <a:normAutofit/>
           </a:bodyPr>
           <a:lstStyle/>
           <a:p>
             <a:r>
-              <a:rPr lang="en-US" sz="3600"/>
+              <a:rPr lang="en-US" sz="2800"/>
               <a:t>Latency in virtual reality hinders human performance while completing tasks</a:t>
             </a:r>
-            <a:br>
-              <a:rPr lang="en-US" sz="3600"/>
-            </a:br>
-            <a:endParaRPr lang="en-US" sz="3600"/>
-          </a:p>
-          <a:p>
-            <a:r>
-              <a:rPr lang="en-US" sz="3600"/>
+          </a:p>
+          <a:p>
+            <a:r>
+              <a:rPr lang="en-US" sz="2800"/>
               <a:t>Neural networks can be used to predict movement of avatars </a:t>
             </a:r>
-            <a:br>
-              <a:rPr lang="en-US" sz="3600"/>
-            </a:br>
-            <a:endParaRPr lang="en-US" sz="3600"/>
-          </a:p>
-          <a:p>
-            <a:r>
-              <a:rPr lang="en-US" sz="3600"/>
+          </a:p>
+          <a:p>
+            <a:r>
+              <a:rPr lang="en-US" sz="2800"/>
               <a:t>Utilize prediction mechanisms to compensate for latency</a:t>
             </a:r>
           </a:p>
           <a:p>
-            <a:endParaRPr lang="en-US" sz="3600"/>
-          </a:p>
-          <a:p>
-            <a:r>
-              <a:rPr lang="en-US" sz="3600"/>
+            <a:r>
+              <a:rPr lang="en-US" sz="2800"/>
               <a:t>Our goal is to proof that lowering system latency increases performance </a:t>
             </a:r>
           </a:p>
@@ -5048,7 +4950,7 @@
             <a:pPr marL="0" indent="0" algn="ctr">
               <a:buNone/>
             </a:pPr>
-            <a:endParaRPr lang="en-US" sz="3600" dirty="0"/>
+            <a:endParaRPr lang="en-US" sz="2800" dirty="0"/>
           </a:p>
         </p:txBody>
       </p:sp>
@@ -5105,7 +5007,7 @@
           <a:p>
             <a:r>
               <a:rPr lang="en-US"/>
-              <a:t>Previous Work</a:t>
+              <a:t>Method</a:t>
             </a:r>
             <a:endParaRPr lang="en-US" dirty="0"/>
           </a:p>
@@ -5130,21 +5032,69 @@
         <p:spPr/>
         <p:txBody>
           <a:bodyPr anchor="ctr">
-            <a:normAutofit/>
+            <a:normAutofit fontScale="92500"/>
           </a:bodyPr>
           <a:lstStyle/>
           <a:p>
-            <a:pPr marL="0" indent="0" algn="ctr">
-              <a:buNone/>
-            </a:pPr>
-            <a:endParaRPr lang="en-US" sz="3600" dirty="0"/>
+            <a:r>
+              <a:rPr lang="en-US"/>
+              <a:t>Using our system of predicting body movements erasing latency we conduct a study where the game performance is evaluated</a:t>
+            </a:r>
+          </a:p>
+          <a:p>
+            <a:r>
+              <a:rPr lang="en-US"/>
+              <a:t>Full body movement based game developed with Unity</a:t>
+            </a:r>
+          </a:p>
+          <a:p>
+            <a:r>
+              <a:rPr lang="en-US"/>
+              <a:t>Player is getting attacked by a bee or balloon (yet to be decided)</a:t>
+            </a:r>
+          </a:p>
+          <a:p>
+            <a:r>
+              <a:rPr lang="en-US"/>
+              <a:t>Play-area is a cage</a:t>
+            </a:r>
+          </a:p>
+          <a:p>
+            <a:r>
+              <a:rPr lang="en-US"/>
+              <a:t>Number of incoming “enemies” increases exponentially</a:t>
+            </a:r>
+          </a:p>
+          <a:p>
+            <a:r>
+              <a:rPr lang="en-US"/>
+              <a:t>Enemies engage from 4 varying spawn points (defined sequence)</a:t>
+            </a:r>
+          </a:p>
+          <a:p>
+            <a:r>
+              <a:rPr lang="en-US"/>
+              <a:t>Objective is to kill incoming enemies by using hands or feet</a:t>
+            </a:r>
+          </a:p>
+          <a:p>
+            <a:r>
+              <a:rPr lang="en-US"/>
+              <a:t>Enemy fades when killed or when its attack was successful (reached players avatar)</a:t>
+            </a:r>
+          </a:p>
+          <a:p>
+            <a:r>
+              <a:rPr lang="en-US"/>
+              <a:t>Game ends after 120 seconds</a:t>
+            </a:r>
           </a:p>
         </p:txBody>
       </p:sp>
     </p:spTree>
     <p:extLst>
       <p:ext uri="{BB962C8B-B14F-4D97-AF65-F5344CB8AC3E}">
-        <p14:creationId xmlns:p14="http://schemas.microsoft.com/office/powerpoint/2010/main" val="2427197166"/>
+        <p14:creationId xmlns:p14="http://schemas.microsoft.com/office/powerpoint/2010/main" val="1715517548"/>
       </p:ext>
     </p:extLst>
   </p:cSld>
@@ -5219,61 +5169,52 @@
         <p:spPr/>
         <p:txBody>
           <a:bodyPr anchor="ctr">
-            <a:normAutofit fontScale="92500"/>
+            <a:normAutofit/>
           </a:bodyPr>
           <a:lstStyle/>
           <a:p>
             <a:r>
-              <a:rPr lang="en-US"/>
-              <a:t>Using our system of predicting body movements erasing latency we conduct a study where the game performance is evaluated</a:t>
-            </a:r>
-          </a:p>
-          <a:p>
-            <a:r>
-              <a:rPr lang="en-US"/>
-              <a:t>Full body movement based game developed with Unity</a:t>
-            </a:r>
-          </a:p>
-          <a:p>
-            <a:r>
-              <a:rPr lang="en-US"/>
-              <a:t>Player is getting attacked by a bee or balloon (yet to be decided)</a:t>
-            </a:r>
-          </a:p>
-          <a:p>
-            <a:r>
-              <a:rPr lang="en-US"/>
-              <a:t>Play-area is a cage</a:t>
-            </a:r>
-          </a:p>
-          <a:p>
-            <a:r>
-              <a:rPr lang="en-US"/>
-              <a:t>Number of incoming “enemies” increases exponentially</a:t>
-            </a:r>
-          </a:p>
-          <a:p>
-            <a:r>
-              <a:rPr lang="en-US"/>
-              <a:t>Enemies engage from 4 varying spawn points (defined sequence)</a:t>
-            </a:r>
-          </a:p>
-          <a:p>
-            <a:r>
-              <a:rPr lang="en-US"/>
-              <a:t>Objective is to kill incoming enemies by using hands or feet</a:t>
-            </a:r>
-          </a:p>
-          <a:p>
-            <a:r>
-              <a:rPr lang="en-US"/>
-              <a:t>Enemy fades when killed or when its attack was successful (reached players avatar)</a:t>
-            </a:r>
-          </a:p>
-          <a:p>
-            <a:r>
-              <a:rPr lang="en-US"/>
-              <a:t>Game ends after 120 seconds</a:t>
+              <a:rPr lang="en-US" sz="2800"/>
+              <a:t>Within-subjects study design</a:t>
+            </a:r>
+          </a:p>
+          <a:p>
+            <a:r>
+              <a:rPr lang="en-US" sz="2800"/>
+              <a:t>Independent variables:</a:t>
+            </a:r>
+          </a:p>
+          <a:p>
+            <a:pPr lvl="1"/>
+            <a:r>
+              <a:rPr lang="en-US" sz="2400"/>
+              <a:t>System Latency (-12ms, 0ms , 12ms, 24ms, 36ms, 48ms)</a:t>
+            </a:r>
+          </a:p>
+          <a:p>
+            <a:r>
+              <a:rPr lang="en-US" sz="2800"/>
+              <a:t>Dependent variables:</a:t>
+            </a:r>
+          </a:p>
+          <a:p>
+            <a:pPr lvl="1"/>
+            <a:r>
+              <a:rPr lang="en-US" sz="2400"/>
+              <a:t>Kills</a:t>
+            </a:r>
+          </a:p>
+          <a:p>
+            <a:pPr lvl="1"/>
+            <a:r>
+              <a:rPr lang="en-US" sz="2400"/>
+              <a:t>Bee lifetime</a:t>
+            </a:r>
+          </a:p>
+          <a:p>
+            <a:r>
+              <a:rPr lang="en-US" sz="2800"/>
+              <a:t>Questionnaires: IPQ + Limb Ownership</a:t>
             </a:r>
           </a:p>
         </p:txBody>
@@ -5281,7 +5222,7 @@
     </p:spTree>
     <p:extLst>
       <p:ext uri="{BB962C8B-B14F-4D97-AF65-F5344CB8AC3E}">
-        <p14:creationId xmlns:p14="http://schemas.microsoft.com/office/powerpoint/2010/main" val="1715517548"/>
+        <p14:creationId xmlns:p14="http://schemas.microsoft.com/office/powerpoint/2010/main" val="342928699"/>
       </p:ext>
     </p:extLst>
   </p:cSld>
@@ -5331,85 +5272,51 @@
           <a:p>
             <a:r>
               <a:rPr lang="en-US"/>
-              <a:t>Method</a:t>
+              <a:t>Game</a:t>
             </a:r>
             <a:endParaRPr lang="en-US" dirty="0"/>
           </a:p>
         </p:txBody>
       </p:sp>
-      <p:sp>
-        <p:nvSpPr>
-          <p:cNvPr id="4" name="Content Placeholder 3">
+      <p:pic>
+        <p:nvPicPr>
+          <p:cNvPr id="5" name="Content Placeholder 4">
             <a:extLst>
               <a:ext uri="{FF2B5EF4-FFF2-40B4-BE49-F238E27FC236}">
-                <a16:creationId xmlns:a16="http://schemas.microsoft.com/office/drawing/2014/main" id="{447486BB-E702-4B37-B576-4556B4AF7898}"/>
+                <a16:creationId xmlns:a16="http://schemas.microsoft.com/office/drawing/2014/main" id="{D928A659-8040-4B0F-B460-D099698F21E7}"/>
               </a:ext>
             </a:extLst>
           </p:cNvPr>
-          <p:cNvSpPr>
-            <a:spLocks noGrp="1"/>
-          </p:cNvSpPr>
+          <p:cNvPicPr>
+            <a:picLocks noGrp="1" noChangeAspect="1"/>
+          </p:cNvPicPr>
           <p:nvPr>
             <p:ph idx="1"/>
           </p:nvPr>
-        </p:nvSpPr>
-        <p:spPr/>
-        <p:txBody>
-          <a:bodyPr anchor="ctr">
-            <a:normAutofit/>
-          </a:bodyPr>
-          <a:lstStyle/>
-          <a:p>
-            <a:r>
-              <a:rPr lang="en-US"/>
-              <a:t>Within-subjects study design</a:t>
-            </a:r>
-          </a:p>
-          <a:p>
-            <a:r>
-              <a:rPr lang="en-US"/>
-              <a:t>Independent variables:</a:t>
-            </a:r>
-          </a:p>
-          <a:p>
-            <a:pPr lvl="1"/>
-            <a:r>
-              <a:rPr lang="en-US"/>
-              <a:t>System Latency (-12ms, 0ms , 12ms, 24ms, 36ms, 48ms)</a:t>
-            </a:r>
-          </a:p>
-          <a:p>
-            <a:r>
-              <a:rPr lang="en-US"/>
-              <a:t>Dependent variables:</a:t>
-            </a:r>
-          </a:p>
-          <a:p>
-            <a:pPr lvl="1"/>
-            <a:r>
-              <a:rPr lang="en-US"/>
-              <a:t>Kills</a:t>
-            </a:r>
-          </a:p>
-          <a:p>
-            <a:pPr lvl="1"/>
-            <a:r>
-              <a:rPr lang="en-US"/>
-              <a:t>Bee lifetime</a:t>
-            </a:r>
-          </a:p>
-          <a:p>
-            <a:r>
-              <a:rPr lang="en-US"/>
-              <a:t>Questionnaires: IPQ + Limb Ownership</a:t>
-            </a:r>
-          </a:p>
-        </p:txBody>
-      </p:sp>
+        </p:nvPicPr>
+        <p:blipFill>
+          <a:blip r:embed="rId3">
+            <a:extLst>
+              <a:ext uri="{28A0092B-C50C-407E-A947-70E740481C1C}">
+                <a14:useLocalDpi xmlns:a14="http://schemas.microsoft.com/office/drawing/2010/main" val="0"/>
+              </a:ext>
+            </a:extLst>
+          </a:blip>
+          <a:stretch>
+            <a:fillRect/>
+          </a:stretch>
+        </p:blipFill>
+        <p:spPr>
+          <a:xfrm>
+            <a:off x="457200" y="1734249"/>
+            <a:ext cx="8229600" cy="4181665"/>
+          </a:xfrm>
+        </p:spPr>
+      </p:pic>
     </p:spTree>
     <p:extLst>
       <p:ext uri="{BB962C8B-B14F-4D97-AF65-F5344CB8AC3E}">
-        <p14:creationId xmlns:p14="http://schemas.microsoft.com/office/powerpoint/2010/main" val="342928699"/>
+        <p14:creationId xmlns:p14="http://schemas.microsoft.com/office/powerpoint/2010/main" val="1842053967"/>
       </p:ext>
     </p:extLst>
   </p:cSld>
@@ -5459,50 +5366,51 @@
           <a:p>
             <a:r>
               <a:rPr lang="en-US"/>
-              <a:t>Apparatus</a:t>
+              <a:t>Game</a:t>
             </a:r>
             <a:endParaRPr lang="en-US" dirty="0"/>
           </a:p>
         </p:txBody>
       </p:sp>
-      <p:sp>
-        <p:nvSpPr>
-          <p:cNvPr id="4" name="Content Placeholder 3">
+      <p:pic>
+        <p:nvPicPr>
+          <p:cNvPr id="7" name="Content Placeholder 6">
             <a:extLst>
               <a:ext uri="{FF2B5EF4-FFF2-40B4-BE49-F238E27FC236}">
-                <a16:creationId xmlns:a16="http://schemas.microsoft.com/office/drawing/2014/main" id="{447486BB-E702-4B37-B576-4556B4AF7898}"/>
+                <a16:creationId xmlns:a16="http://schemas.microsoft.com/office/drawing/2014/main" id="{EF0DDD4F-7EA8-46D7-B9D1-2FBBCCF79632}"/>
               </a:ext>
             </a:extLst>
           </p:cNvPr>
-          <p:cNvSpPr>
-            <a:spLocks noGrp="1"/>
-          </p:cNvSpPr>
+          <p:cNvPicPr>
+            <a:picLocks noGrp="1" noChangeAspect="1"/>
+          </p:cNvPicPr>
           <p:nvPr>
             <p:ph idx="1"/>
           </p:nvPr>
-        </p:nvSpPr>
-        <p:spPr/>
-        <p:txBody>
-          <a:bodyPr anchor="ctr">
-            <a:normAutofit/>
-          </a:bodyPr>
-          <a:lstStyle/>
-          <a:p>
-            <a:pPr marL="0" indent="0" algn="ctr">
-              <a:buNone/>
-            </a:pPr>
-            <a:r>
-              <a:rPr lang="en-US" sz="3600"/>
-              <a:t>&lt;Insert Screenshot&gt;</a:t>
-            </a:r>
-            <a:endParaRPr lang="en-US" sz="3600" dirty="0"/>
-          </a:p>
-        </p:txBody>
-      </p:sp>
+        </p:nvPicPr>
+        <p:blipFill>
+          <a:blip r:embed="rId3">
+            <a:extLst>
+              <a:ext uri="{28A0092B-C50C-407E-A947-70E740481C1C}">
+                <a14:useLocalDpi xmlns:a14="http://schemas.microsoft.com/office/drawing/2010/main" val="0"/>
+              </a:ext>
+            </a:extLst>
+          </a:blip>
+          <a:stretch>
+            <a:fillRect/>
+          </a:stretch>
+        </p:blipFill>
+        <p:spPr>
+          <a:xfrm>
+            <a:off x="457200" y="1693101"/>
+            <a:ext cx="8229600" cy="4263961"/>
+          </a:xfrm>
+        </p:spPr>
+      </p:pic>
     </p:spTree>
     <p:extLst>
       <p:ext uri="{BB962C8B-B14F-4D97-AF65-F5344CB8AC3E}">
-        <p14:creationId xmlns:p14="http://schemas.microsoft.com/office/powerpoint/2010/main" val="1842053967"/>
+        <p14:creationId xmlns:p14="http://schemas.microsoft.com/office/powerpoint/2010/main" val="2714245949"/>
       </p:ext>
     </p:extLst>
   </p:cSld>
@@ -5513,106 +5421,6 @@
 </file>
 
 <file path=ppt/slides/slide7.xml><?xml version="1.0" encoding="utf-8"?>
-<p:sld xmlns:a="http://schemas.openxmlformats.org/drawingml/2006/main" xmlns:r="http://schemas.openxmlformats.org/officeDocument/2006/relationships" xmlns:p="http://schemas.openxmlformats.org/presentationml/2006/main">
-  <p:cSld>
-    <p:spTree>
-      <p:nvGrpSpPr>
-        <p:cNvPr id="1" name=""/>
-        <p:cNvGrpSpPr/>
-        <p:nvPr/>
-      </p:nvGrpSpPr>
-      <p:grpSpPr>
-        <a:xfrm>
-          <a:off x="0" y="0"/>
-          <a:ext cx="0" cy="0"/>
-          <a:chOff x="0" y="0"/>
-          <a:chExt cx="0" cy="0"/>
-        </a:xfrm>
-      </p:grpSpPr>
-      <p:sp>
-        <p:nvSpPr>
-          <p:cNvPr id="3" name="Title 2">
-            <a:extLst>
-              <a:ext uri="{FF2B5EF4-FFF2-40B4-BE49-F238E27FC236}">
-                <a16:creationId xmlns:a16="http://schemas.microsoft.com/office/drawing/2014/main" id="{C8952BAA-CA4B-4A02-A92A-54A71493FBE7}"/>
-              </a:ext>
-            </a:extLst>
-          </p:cNvPr>
-          <p:cNvSpPr>
-            <a:spLocks noGrp="1"/>
-          </p:cNvSpPr>
-          <p:nvPr>
-            <p:ph type="title"/>
-          </p:nvPr>
-        </p:nvSpPr>
-        <p:spPr/>
-        <p:txBody>
-          <a:bodyPr/>
-          <a:lstStyle/>
-          <a:p>
-            <a:r>
-              <a:rPr lang="en-US"/>
-              <a:t>Results</a:t>
-            </a:r>
-            <a:endParaRPr lang="en-US" dirty="0"/>
-          </a:p>
-        </p:txBody>
-      </p:sp>
-      <p:sp>
-        <p:nvSpPr>
-          <p:cNvPr id="4" name="Content Placeholder 3">
-            <a:extLst>
-              <a:ext uri="{FF2B5EF4-FFF2-40B4-BE49-F238E27FC236}">
-                <a16:creationId xmlns:a16="http://schemas.microsoft.com/office/drawing/2014/main" id="{447486BB-E702-4B37-B576-4556B4AF7898}"/>
-              </a:ext>
-            </a:extLst>
-          </p:cNvPr>
-          <p:cNvSpPr>
-            <a:spLocks noGrp="1"/>
-          </p:cNvSpPr>
-          <p:nvPr>
-            <p:ph idx="1"/>
-          </p:nvPr>
-        </p:nvSpPr>
-        <p:spPr/>
-        <p:txBody>
-          <a:bodyPr anchor="ctr">
-            <a:normAutofit/>
-          </a:bodyPr>
-          <a:lstStyle/>
-          <a:p>
-            <a:pPr marL="0" indent="0" algn="ctr">
-              <a:buNone/>
-            </a:pPr>
-            <a:r>
-              <a:rPr lang="en-US" sz="3600"/>
-              <a:t>(first) results</a:t>
-            </a:r>
-            <a:br>
-              <a:rPr lang="en-US" sz="3600"/>
-            </a:br>
-            <a:r>
-              <a:rPr lang="en-US" sz="3600"/>
-              <a:t>(first) findings</a:t>
-            </a:r>
-            <a:endParaRPr lang="en-US" sz="3600" dirty="0"/>
-          </a:p>
-        </p:txBody>
-      </p:sp>
-    </p:spTree>
-    <p:extLst>
-      <p:ext uri="{BB962C8B-B14F-4D97-AF65-F5344CB8AC3E}">
-        <p14:creationId xmlns:p14="http://schemas.microsoft.com/office/powerpoint/2010/main" val="3626645609"/>
-      </p:ext>
-    </p:extLst>
-  </p:cSld>
-  <p:clrMapOvr>
-    <a:masterClrMapping/>
-  </p:clrMapOvr>
-</p:sld>
-</file>
-
-<file path=ppt/slides/slide8.xml><?xml version="1.0" encoding="utf-8"?>
 <p:sld xmlns:a="http://schemas.openxmlformats.org/drawingml/2006/main" xmlns:r="http://schemas.openxmlformats.org/officeDocument/2006/relationships" xmlns:p="http://schemas.openxmlformats.org/presentationml/2006/main">
   <p:cSld>
     <p:spTree>
